--- a/SuryaPSResume.pptx
+++ b/SuryaPSResume.pptx
@@ -145,15 +145,6 @@
 </p:presentation>
 </file>
 
-<file path=ppt/revisionInfo.xml><?xml version="1.0" encoding="utf-8"?>
-<p1510:revInfo xmlns:a="http://schemas.openxmlformats.org/drawingml/2006/main" xmlns:r="http://schemas.openxmlformats.org/officeDocument/2006/relationships" xmlns:p1510="http://schemas.microsoft.com/office/powerpoint/2015/10/main">
-  <p1510:revLst>
-    <p1510:client id="{1B56FE7F-7979-4D18-8D9D-170AF0B2C6FC}" v="15" dt="2022-06-20T18:06:44.524"/>
-    <p1510:client id="{4778398D-3266-4A7A-A9DC-3DAFBE51F037}" v="113" dt="2022-06-20T18:05:36.778"/>
-  </p1510:revLst>
-</p1510:revInfo>
-</file>
-
 <file path=ppt/handoutMasters/handoutMaster1.xml><?xml version="1.0" encoding="utf-8"?>
 <p:handoutMaster xmlns:a="http://schemas.openxmlformats.org/drawingml/2006/main" xmlns:r="http://schemas.openxmlformats.org/officeDocument/2006/relationships" xmlns:p="http://schemas.openxmlformats.org/presentationml/2006/main">
   <p:cSld>
@@ -236,7 +227,7 @@
           <a:p>
             <a:fld id="{86C988DC-9DE3-4390-97AB-D61B85DACE57}" type="datetimeFigureOut">
               <a:rPr lang="pt-PT" sz="900" smtClean="0"/>
-              <a:t>20/06/2022</a:t>
+              <a:t>10/01/2023</a:t>
             </a:fld>
             <a:endParaRPr lang="pt-PT" sz="900"/>
           </a:p>
@@ -401,7 +392,7 @@
           <a:p>
             <a:fld id="{0835B8F7-DAC4-4931-8AED-4356A8B2FD64}" type="datetimeFigureOut">
               <a:rPr lang="pt-BR" smtClean="0"/>
-              <a:t>20/06/2022</a:t>
+              <a:t>10/01/2023</a:t>
             </a:fld>
             <a:endParaRPr lang="pt-BR"/>
           </a:p>
@@ -772,7 +763,7 @@
           <a:graphicData uri="http://schemas.openxmlformats.org/presentationml/2006/ole">
             <mc:AlternateContent xmlns:mc="http://schemas.openxmlformats.org/markup-compatibility/2006">
               <mc:Choice xmlns:v="urn:schemas-microsoft-com:vml" Requires="v">
-                <p:oleObj spid="_x0000_s2049" name="think-cell Slide" r:id="rId6" imgW="12700" imgH="12700" progId="">
+                <p:oleObj spid="_x0000_s2051" name="think-cell Slide" r:id="rId6" imgW="12700" imgH="12700" progId="">
                   <p:embed/>
                 </p:oleObj>
               </mc:Choice>
@@ -2127,7 +2118,7 @@
           <a:graphicData uri="http://schemas.openxmlformats.org/presentationml/2006/ole">
             <mc:AlternateContent xmlns:mc="http://schemas.openxmlformats.org/markup-compatibility/2006">
               <mc:Choice xmlns:v="urn:schemas-microsoft-com:vml" Requires="v">
-                <p:oleObj spid="_x0000_s14337" name="think-cell Slide" r:id="rId4" imgW="12700" imgH="12700" progId="TCLayout.ActiveDocument.1">
+                <p:oleObj spid="_x0000_s14339" name="think-cell Slide" r:id="rId4" imgW="12700" imgH="12700" progId="TCLayout.ActiveDocument.1">
                   <p:embed/>
                 </p:oleObj>
               </mc:Choice>
@@ -2588,7 +2579,7 @@
           <a:graphicData uri="http://schemas.openxmlformats.org/presentationml/2006/ole">
             <mc:AlternateContent xmlns:mc="http://schemas.openxmlformats.org/markup-compatibility/2006">
               <mc:Choice xmlns:v="urn:schemas-microsoft-com:vml" Requires="v">
-                <p:oleObj spid="_x0000_s15361" name="think-cell Slide" r:id="rId4" imgW="12700" imgH="12700" progId="TCLayout.ActiveDocument.1">
+                <p:oleObj spid="_x0000_s15363" name="think-cell Slide" r:id="rId4" imgW="12700" imgH="12700" progId="TCLayout.ActiveDocument.1">
                   <p:embed/>
                 </p:oleObj>
               </mc:Choice>
@@ -2710,7 +2701,7 @@
           <a:graphicData uri="http://schemas.openxmlformats.org/presentationml/2006/ole">
             <mc:AlternateContent xmlns:mc="http://schemas.openxmlformats.org/markup-compatibility/2006">
               <mc:Choice xmlns:v="urn:schemas-microsoft-com:vml" Requires="v">
-                <p:oleObj spid="_x0000_s16385" name="think-cell Slide" r:id="rId4" imgW="12700" imgH="12700" progId="TCLayout.ActiveDocument.1">
+                <p:oleObj spid="_x0000_s16387" name="think-cell Slide" r:id="rId4" imgW="12700" imgH="12700" progId="TCLayout.ActiveDocument.1">
                   <p:embed/>
                 </p:oleObj>
               </mc:Choice>
@@ -4155,7 +4146,7 @@
           <a:graphicData uri="http://schemas.openxmlformats.org/presentationml/2006/ole">
             <mc:AlternateContent xmlns:mc="http://schemas.openxmlformats.org/markup-compatibility/2006">
               <mc:Choice xmlns:v="urn:schemas-microsoft-com:vml" Requires="v">
-                <p:oleObj spid="_x0000_s3073" name="think-cell Slide" r:id="rId7" imgW="12700" imgH="12700" progId="">
+                <p:oleObj spid="_x0000_s3075" name="think-cell Slide" r:id="rId7" imgW="12700" imgH="12700" progId="">
                   <p:embed/>
                 </p:oleObj>
               </mc:Choice>
@@ -5008,7 +4999,7 @@
           <a:graphicData uri="http://schemas.openxmlformats.org/presentationml/2006/ole">
             <mc:AlternateContent xmlns:mc="http://schemas.openxmlformats.org/markup-compatibility/2006">
               <mc:Choice xmlns:v="urn:schemas-microsoft-com:vml" Requires="v">
-                <p:oleObj spid="_x0000_s23553" name="think-cell Slide" r:id="rId4" imgW="12700" imgH="12700" progId="TCLayout.ActiveDocument.1">
+                <p:oleObj spid="_x0000_s23555" name="think-cell Slide" r:id="rId4" imgW="12700" imgH="12700" progId="TCLayout.ActiveDocument.1">
                   <p:embed/>
                 </p:oleObj>
               </mc:Choice>
@@ -5469,7 +5460,7 @@
           <a:graphicData uri="http://schemas.openxmlformats.org/presentationml/2006/ole">
             <mc:AlternateContent xmlns:mc="http://schemas.openxmlformats.org/markup-compatibility/2006">
               <mc:Choice xmlns:v="urn:schemas-microsoft-com:vml" Requires="v">
-                <p:oleObj spid="_x0000_s24577" name="think-cell Slide" r:id="rId4" imgW="12700" imgH="12700" progId="TCLayout.ActiveDocument.1">
+                <p:oleObj spid="_x0000_s24579" name="think-cell Slide" r:id="rId4" imgW="12700" imgH="12700" progId="TCLayout.ActiveDocument.1">
                   <p:embed/>
                 </p:oleObj>
               </mc:Choice>
@@ -7291,7 +7282,7 @@
           <a:graphicData uri="http://schemas.openxmlformats.org/presentationml/2006/ole">
             <mc:AlternateContent xmlns:mc="http://schemas.openxmlformats.org/markup-compatibility/2006">
               <mc:Choice xmlns:v="urn:schemas-microsoft-com:vml" Requires="v">
-                <p:oleObj spid="_x0000_s27649" name="think-cell Slide" r:id="rId4" imgW="12700" imgH="12700" progId="TCLayout.ActiveDocument.1">
+                <p:oleObj spid="_x0000_s27651" name="think-cell Slide" r:id="rId4" imgW="12700" imgH="12700" progId="TCLayout.ActiveDocument.1">
                   <p:embed/>
                 </p:oleObj>
               </mc:Choice>
@@ -10699,7 +10690,7 @@
           <a:graphicData uri="http://schemas.openxmlformats.org/presentationml/2006/ole">
             <mc:AlternateContent xmlns:mc="http://schemas.openxmlformats.org/markup-compatibility/2006">
               <mc:Choice xmlns:v="urn:schemas-microsoft-com:vml" Requires="v">
-                <p:oleObj spid="_x0000_s4097" name="think-cell Slide" r:id="rId7" imgW="12700" imgH="12700" progId="">
+                <p:oleObj spid="_x0000_s4099" name="think-cell Slide" r:id="rId7" imgW="12700" imgH="12700" progId="">
                   <p:embed/>
                 </p:oleObj>
               </mc:Choice>
@@ -10940,7 +10931,7 @@
           <a:graphicData uri="http://schemas.openxmlformats.org/presentationml/2006/ole">
             <mc:AlternateContent xmlns:mc="http://schemas.openxmlformats.org/markup-compatibility/2006">
               <mc:Choice xmlns:v="urn:schemas-microsoft-com:vml" Requires="v">
-                <p:oleObj spid="_x0000_s5121" name="think-cell Slide" r:id="rId9" imgW="12700" imgH="12700" progId="">
+                <p:oleObj spid="_x0000_s5123" name="think-cell Slide" r:id="rId9" imgW="12700" imgH="12700" progId="">
                   <p:embed/>
                 </p:oleObj>
               </mc:Choice>
@@ -12107,7 +12098,7 @@
           <a:graphicData uri="http://schemas.openxmlformats.org/presentationml/2006/ole">
             <mc:AlternateContent xmlns:mc="http://schemas.openxmlformats.org/markup-compatibility/2006">
               <mc:Choice xmlns:v="urn:schemas-microsoft-com:vml" Requires="v">
-                <p:oleObj spid="_x0000_s7169" name="think-cell Slide" r:id="rId5" imgW="12700" imgH="12700" progId="">
+                <p:oleObj spid="_x0000_s7171" name="think-cell Slide" r:id="rId5" imgW="12700" imgH="12700" progId="">
                   <p:embed/>
                 </p:oleObj>
               </mc:Choice>
@@ -12236,7 +12227,7 @@
           <a:graphicData uri="http://schemas.openxmlformats.org/presentationml/2006/ole">
             <mc:AlternateContent xmlns:mc="http://schemas.openxmlformats.org/markup-compatibility/2006">
               <mc:Choice xmlns:v="urn:schemas-microsoft-com:vml" Requires="v">
-                <p:oleObj spid="_x0000_s8193" name="think-cell Slide" r:id="rId4" imgW="12700" imgH="12700" progId="">
+                <p:oleObj spid="_x0000_s8195" name="think-cell Slide" r:id="rId4" imgW="12700" imgH="12700" progId="">
                   <p:embed/>
                 </p:oleObj>
               </mc:Choice>
@@ -12422,7 +12413,7 @@
           <a:p>
             <a:fld id="{425404F2-BE9A-4460-8815-8F645183555F}" type="datetimeFigureOut">
               <a:rPr lang="en-US" smtClean="0"/>
-              <a:t>6/20/2022</a:t>
+              <a:t>1/10/2023</a:t>
             </a:fld>
             <a:endParaRPr lang="en-US"/>
           </a:p>
@@ -12626,7 +12617,7 @@
           <a:graphicData uri="http://schemas.openxmlformats.org/presentationml/2006/ole">
             <mc:AlternateContent xmlns:mc="http://schemas.openxmlformats.org/markup-compatibility/2006">
               <mc:Choice xmlns:v="urn:schemas-microsoft-com:vml" Requires="v">
-                <p:oleObj spid="_x0000_s1025" name="think-cell Slide" r:id="rId25" imgW="12700" imgH="12700" progId="">
+                <p:oleObj spid="_x0000_s1027" name="think-cell Slide" r:id="rId25" imgW="12700" imgH="12700" progId="">
                   <p:embed/>
                 </p:oleObj>
               </mc:Choice>
@@ -15127,7 +15118,7 @@
           <a:graphicData uri="http://schemas.openxmlformats.org/presentationml/2006/ole">
             <mc:AlternateContent xmlns:mc="http://schemas.openxmlformats.org/markup-compatibility/2006">
               <mc:Choice xmlns:v="urn:schemas-microsoft-com:vml" Requires="v">
-                <p:oleObj spid="_x0000_s18433" name="think-cell Slide" r:id="rId14" imgW="12700" imgH="12700" progId="TCLayout.ActiveDocument.1">
+                <p:oleObj spid="_x0000_s18435" name="think-cell Slide" r:id="rId14" imgW="12700" imgH="12700" progId="TCLayout.ActiveDocument.1">
                   <p:embed/>
                 </p:oleObj>
               </mc:Choice>
@@ -16364,14 +16355,14 @@
           <p:nvPr>
             <p:extLst>
               <p:ext uri="{D42A27DB-BD31-4B8C-83A1-F6EECF244321}">
-                <p14:modId xmlns:p14="http://schemas.microsoft.com/office/powerpoint/2010/main" val="3478910372"/>
+                <p14:modId xmlns:p14="http://schemas.microsoft.com/office/powerpoint/2010/main" val="738051596"/>
               </p:ext>
             </p:extLst>
           </p:nvPr>
         </p:nvGraphicFramePr>
         <p:xfrm>
-          <a:off x="9220200" y="1155307"/>
-          <a:ext cx="2950005" cy="6758361"/>
+          <a:off x="8991600" y="1038796"/>
+          <a:ext cx="3200399" cy="5771356"/>
         </p:xfrm>
         <a:graphic>
           <a:graphicData uri="http://schemas.openxmlformats.org/drawingml/2006/table">
@@ -16380,14 +16371,14 @@
                 <a:tableStyleId>{0E3FDE45-AF77-4B5C-9715-49D594BDF05E}</a:tableStyleId>
               </a:tblPr>
               <a:tblGrid>
-                <a:gridCol w="1066800">
+                <a:gridCol w="914400">
                   <a:extLst>
                     <a:ext uri="{9D8B030D-6E8A-4147-A177-3AD203B41FA5}">
                       <a16:colId xmlns:a16="http://schemas.microsoft.com/office/drawing/2014/main" val="20000"/>
                     </a:ext>
                   </a:extLst>
                 </a:gridCol>
-                <a:gridCol w="1883205">
+                <a:gridCol w="2285999">
                   <a:extLst>
                     <a:ext uri="{9D8B030D-6E8A-4147-A177-3AD203B41FA5}">
                       <a16:colId xmlns:a16="http://schemas.microsoft.com/office/drawing/2014/main" val="20001"/>
@@ -16395,7 +16386,7 @@
                   </a:extLst>
                 </a:gridCol>
               </a:tblGrid>
-              <a:tr h="559013">
+              <a:tr h="801219">
                 <a:tc>
                   <a:txBody>
                     <a:bodyPr/>
@@ -16497,7 +16488,11 @@
                           <a:ea typeface="+mn-ea"/>
                           <a:cs typeface="Arial" panose="020B0604020202020204" pitchFamily="34" charset="0"/>
                         </a:rPr>
-                        <a:t>java8 features</a:t>
+                        <a:t>java8 features </a:t>
+                      </a:r>
+                      <a:r>
+                        <a:rPr lang="en-IN" sz="1100" b="0" dirty="0"/>
+                        <a:t>Lambda Exp, Stream API Junit, Mockito, Servlet</a:t>
                       </a:r>
                       <a:endParaRPr kumimoji="0" lang="en-US" sz="1100" b="0" i="0" u="none" strike="noStrike" kern="1200" cap="none" spc="0" normalizeH="0" baseline="0" dirty="0">
                         <a:ln>
@@ -16523,7 +16518,7 @@
                   </a:ext>
                 </a:extLst>
               </a:tr>
-              <a:tr h="402489">
+              <a:tr h="448682">
                 <a:tc>
                   <a:txBody>
                     <a:bodyPr/>
@@ -16618,7 +16613,7 @@
                   </a:ext>
                 </a:extLst>
               </a:tr>
-              <a:tr h="245965">
+              <a:tr h="448682">
                 <a:tc>
                   <a:txBody>
                     <a:bodyPr/>
@@ -16659,8 +16654,23 @@
                           <a:ea typeface="+mn-ea"/>
                           <a:cs typeface="+mn-cs"/>
                         </a:rPr>
-                        <a:t>PostgreSQL, MySQL</a:t>
+                        <a:t>PostgreSQL,</a:t>
                       </a:r>
+                      <a:r>
+                        <a:rPr lang="en-IN" sz="1100" dirty="0"/>
+                        <a:t>MongoDB No Sql Basics, My SQL RDBMS </a:t>
+                      </a:r>
+                      <a:endParaRPr kumimoji="0" lang="en-US" sz="1100" b="0" i="0" u="none" strike="noStrike" kern="1200" cap="none" spc="0" normalizeH="0" baseline="0" dirty="0">
+                        <a:ln>
+                          <a:noFill/>
+                        </a:ln>
+                        <a:effectLst/>
+                        <a:uLnTx/>
+                        <a:uFillTx/>
+                        <a:latin typeface="Verdana"/>
+                        <a:ea typeface="+mn-ea"/>
+                        <a:cs typeface="+mn-cs"/>
+                      </a:endParaRPr>
                     </a:p>
                   </a:txBody>
                   <a:tcPr/>
@@ -16671,7 +16681,7 @@
                   </a:ext>
                 </a:extLst>
               </a:tr>
-              <a:tr h="559013">
+              <a:tr h="624951">
                 <a:tc>
                   <a:txBody>
                     <a:bodyPr/>
@@ -16788,7 +16798,7 @@
                   </a:ext>
                 </a:extLst>
               </a:tr>
-              <a:tr h="715537">
+              <a:tr h="801219">
                 <a:tc>
                   <a:txBody>
                     <a:bodyPr/>
@@ -16931,7 +16941,7 @@
                   </a:ext>
                 </a:extLst>
               </a:tr>
-              <a:tr h="566677">
+              <a:tr h="1330023">
                 <a:tc>
                   <a:txBody>
                     <a:bodyPr/>
@@ -16966,7 +16976,7 @@
                           <a:ea typeface="+mn-ea"/>
                           <a:cs typeface="+mn-cs"/>
                         </a:rPr>
-                        <a:t>Frameworks</a:t>
+                        <a:t>Spring</a:t>
                       </a:r>
                     </a:p>
                     <a:p>
@@ -17008,22 +17018,23 @@
                         <a:defRPr/>
                       </a:pPr>
                       <a:r>
-                        <a:rPr kumimoji="0" lang="en-US" sz="1100" b="0" i="0" u="none" strike="noStrike" kern="1200" cap="none" spc="0" normalizeH="0" baseline="0" dirty="0">
-                          <a:ln>
-                            <a:noFill/>
-                          </a:ln>
-                          <a:solidFill>
-                            <a:schemeClr val="tx1"/>
-                          </a:solidFill>
-                          <a:effectLst/>
-                          <a:uLnTx/>
-                          <a:uFillTx/>
-                          <a:latin typeface="Arial" panose="020B0604020202020204" pitchFamily="34" charset="0"/>
-                          <a:ea typeface="+mn-ea"/>
-                          <a:cs typeface="Arial" panose="020B0604020202020204" pitchFamily="34" charset="0"/>
-                        </a:rPr>
-                        <a:t>Hibernate &amp; spring</a:t>
+                        <a:rPr lang="en-IN" sz="1100" dirty="0"/>
+                        <a:t>REST controllers, Implementation of GET, POST, PUT &amp; DELETE, Bean Validation &amp; Exception Handling, Testing Services, Controller &amp; Repository layer </a:t>
                       </a:r>
+                      <a:endParaRPr kumimoji="0" lang="en-US" sz="1100" b="0" i="0" u="none" strike="noStrike" kern="1200" cap="none" spc="0" normalizeH="0" baseline="0" dirty="0">
+                        <a:ln>
+                          <a:noFill/>
+                        </a:ln>
+                        <a:solidFill>
+                          <a:schemeClr val="tx1"/>
+                        </a:solidFill>
+                        <a:effectLst/>
+                        <a:uLnTx/>
+                        <a:uFillTx/>
+                        <a:latin typeface="Arial" panose="020B0604020202020204" pitchFamily="34" charset="0"/>
+                        <a:ea typeface="+mn-ea"/>
+                        <a:cs typeface="Arial" panose="020B0604020202020204" pitchFamily="34" charset="0"/>
+                      </a:endParaRPr>
                     </a:p>
                     <a:p>
                       <a:endParaRPr kumimoji="0" lang="en-US" sz="1100" b="0" i="0" u="none" strike="noStrike" kern="1200" cap="none" spc="0" normalizeH="0" baseline="0" dirty="0">
@@ -17050,7 +17061,7 @@
                   </a:ext>
                 </a:extLst>
               </a:tr>
-              <a:tr h="1185107">
+              <a:tr h="907228">
                 <a:tc>
                   <a:txBody>
                     <a:bodyPr/>
@@ -17162,7 +17173,7 @@
                           <a:ea typeface="+mn-ea"/>
                           <a:cs typeface="Arial"/>
                         </a:rPr>
-                        <a:t> skill, Team management, work ethic persuasion, Time Management</a:t>
+                        <a:t> skill, Team management, Time Management</a:t>
                       </a:r>
                       <a:endParaRPr kumimoji="0" lang="en-US" sz="1100" b="0" i="0" u="none" strike="noStrike" kern="1200" cap="none" spc="0" normalizeH="0" baseline="0" dirty="0">
                         <a:ln>
@@ -17179,22 +17190,6 @@
                         <a:cs typeface="Arial"/>
                       </a:endParaRPr>
                     </a:p>
-                    <a:p>
-                      <a:endParaRPr kumimoji="0" lang="en-US" sz="1100" b="0" i="0" u="none" strike="noStrike" kern="1200" cap="none" spc="0" normalizeH="0" baseline="0" dirty="0">
-                        <a:ln>
-                          <a:noFill/>
-                        </a:ln>
-                        <a:solidFill>
-                          <a:schemeClr val="tx1"/>
-                        </a:solidFill>
-                        <a:effectLst/>
-                        <a:uLnTx/>
-                        <a:uFillTx/>
-                        <a:latin typeface="Arial" panose="020B0604020202020204" pitchFamily="34" charset="0"/>
-                        <a:ea typeface="+mn-ea"/>
-                        <a:cs typeface="Arial" panose="020B0604020202020204" pitchFamily="34" charset="0"/>
-                      </a:endParaRPr>
-                    </a:p>
                   </a:txBody>
                   <a:tcPr/>
                 </a:tc>
@@ -17204,57 +17199,7 @@
                   </a:ext>
                 </a:extLst>
               </a:tr>
-              <a:tr h="1253924">
-                <a:tc>
-                  <a:txBody>
-                    <a:bodyPr/>
-                    <a:lstStyle/>
-                    <a:p>
-                      <a:endParaRPr kumimoji="0" lang="en-US" sz="1100" b="0" i="0" u="none" strike="noStrike" kern="1200" cap="none" spc="0" normalizeH="0" baseline="0" dirty="0">
-                        <a:ln>
-                          <a:noFill/>
-                        </a:ln>
-                        <a:effectLst/>
-                        <a:uLnTx/>
-                        <a:uFillTx/>
-                        <a:latin typeface="Verdana"/>
-                        <a:ea typeface="+mn-ea"/>
-                        <a:cs typeface="+mn-cs"/>
-                      </a:endParaRPr>
-                    </a:p>
-                  </a:txBody>
-                  <a:tcPr/>
-                </a:tc>
-                <a:tc>
-                  <a:txBody>
-                    <a:bodyPr/>
-                    <a:lstStyle/>
-                    <a:p>
-                      <a:endParaRPr kumimoji="0" lang="en-US" sz="1100" b="0" i="0" u="none" strike="noStrike" kern="1200" cap="none" spc="0" normalizeH="0" baseline="0" dirty="0">
-                        <a:ln>
-                          <a:noFill/>
-                        </a:ln>
-                        <a:solidFill>
-                          <a:schemeClr val="tx1"/>
-                        </a:solidFill>
-                        <a:effectLst/>
-                        <a:uLnTx/>
-                        <a:uFillTx/>
-                        <a:latin typeface="Arial" panose="020B0604020202020204" pitchFamily="34" charset="0"/>
-                        <a:ea typeface="+mn-ea"/>
-                        <a:cs typeface="Arial" panose="020B0604020202020204" pitchFamily="34" charset="0"/>
-                      </a:endParaRPr>
-                    </a:p>
-                  </a:txBody>
-                  <a:tcPr/>
-                </a:tc>
-                <a:extLst>
-                  <a:ext uri="{0D108BD9-81ED-4DB2-BD59-A6C34878D82A}">
-                    <a16:rowId xmlns:a16="http://schemas.microsoft.com/office/drawing/2014/main" val="1411701280"/>
-                  </a:ext>
-                </a:extLst>
-              </a:tr>
-              <a:tr h="245965">
+              <a:tr h="386940">
                 <a:tc>
                   <a:txBody>
                     <a:bodyPr/>
@@ -17304,156 +17249,6 @@
                   </a:ext>
                 </a:extLst>
               </a:tr>
-              <a:tr h="245965">
-                <a:tc>
-                  <a:txBody>
-                    <a:bodyPr/>
-                    <a:lstStyle/>
-                    <a:p>
-                      <a:endParaRPr kumimoji="0" lang="en-US" sz="1100" b="0" i="0" u="none" strike="noStrike" kern="1200" cap="none" spc="0" normalizeH="0" baseline="0" dirty="0">
-                        <a:ln>
-                          <a:noFill/>
-                        </a:ln>
-                        <a:effectLst/>
-                        <a:uLnTx/>
-                        <a:uFillTx/>
-                        <a:latin typeface="Verdana"/>
-                        <a:ea typeface="+mn-ea"/>
-                        <a:cs typeface="+mn-cs"/>
-                      </a:endParaRPr>
-                    </a:p>
-                  </a:txBody>
-                  <a:tcPr/>
-                </a:tc>
-                <a:tc>
-                  <a:txBody>
-                    <a:bodyPr/>
-                    <a:lstStyle/>
-                    <a:p>
-                      <a:endParaRPr kumimoji="0" lang="en-US" sz="1100" b="0" i="0" u="none" strike="noStrike" kern="1200" cap="none" spc="0" normalizeH="0" baseline="0" dirty="0">
-                        <a:ln>
-                          <a:noFill/>
-                        </a:ln>
-                        <a:solidFill>
-                          <a:schemeClr val="tx1"/>
-                        </a:solidFill>
-                        <a:effectLst/>
-                        <a:uLnTx/>
-                        <a:uFillTx/>
-                        <a:latin typeface="Arial" panose="020B0604020202020204" pitchFamily="34" charset="0"/>
-                        <a:ea typeface="+mn-ea"/>
-                        <a:cs typeface="Arial" panose="020B0604020202020204" pitchFamily="34" charset="0"/>
-                      </a:endParaRPr>
-                    </a:p>
-                  </a:txBody>
-                  <a:tcPr/>
-                </a:tc>
-                <a:extLst>
-                  <a:ext uri="{0D108BD9-81ED-4DB2-BD59-A6C34878D82A}">
-                    <a16:rowId xmlns:a16="http://schemas.microsoft.com/office/drawing/2014/main" val="1682689179"/>
-                  </a:ext>
-                </a:extLst>
-              </a:tr>
-              <a:tr h="245965">
-                <a:tc>
-                  <a:txBody>
-                    <a:bodyPr/>
-                    <a:lstStyle/>
-                    <a:p>
-                      <a:endParaRPr kumimoji="0" lang="en-US" sz="1100" b="0" i="0" u="none" strike="noStrike" kern="1200" cap="none" spc="0" normalizeH="0" baseline="0" dirty="0">
-                        <a:ln>
-                          <a:noFill/>
-                        </a:ln>
-                        <a:effectLst/>
-                        <a:uLnTx/>
-                        <a:uFillTx/>
-                        <a:latin typeface="Verdana"/>
-                        <a:ea typeface="+mn-ea"/>
-                        <a:cs typeface="+mn-cs"/>
-                      </a:endParaRPr>
-                    </a:p>
-                  </a:txBody>
-                  <a:tcPr/>
-                </a:tc>
-                <a:tc>
-                  <a:txBody>
-                    <a:bodyPr/>
-                    <a:lstStyle/>
-                    <a:p>
-                      <a:endParaRPr kumimoji="0" lang="en-US" sz="1100" b="0" i="0" u="none" strike="noStrike" kern="1200" cap="none" spc="0" normalizeH="0" baseline="0" dirty="0">
-                        <a:ln>
-                          <a:noFill/>
-                        </a:ln>
-                        <a:solidFill>
-                          <a:schemeClr val="tx1"/>
-                        </a:solidFill>
-                        <a:effectLst/>
-                        <a:uLnTx/>
-                        <a:uFillTx/>
-                        <a:latin typeface="Arial" panose="020B0604020202020204" pitchFamily="34" charset="0"/>
-                        <a:ea typeface="+mn-ea"/>
-                        <a:cs typeface="Arial" panose="020B0604020202020204" pitchFamily="34" charset="0"/>
-                      </a:endParaRPr>
-                    </a:p>
-                  </a:txBody>
-                  <a:tcPr/>
-                </a:tc>
-                <a:extLst>
-                  <a:ext uri="{0D108BD9-81ED-4DB2-BD59-A6C34878D82A}">
-                    <a16:rowId xmlns:a16="http://schemas.microsoft.com/office/drawing/2014/main" val="4064118834"/>
-                  </a:ext>
-                </a:extLst>
-              </a:tr>
-              <a:tr h="245965">
-                <a:tc>
-                  <a:txBody>
-                    <a:bodyPr/>
-                    <a:lstStyle/>
-                    <a:p>
-                      <a:endParaRPr kumimoji="0" lang="en-US" sz="1100" b="0" i="0" u="none" strike="noStrike" kern="1200" cap="none" spc="0" normalizeH="0" baseline="0" dirty="0">
-                        <a:ln>
-                          <a:noFill/>
-                        </a:ln>
-                        <a:effectLst/>
-                        <a:uLnTx/>
-                        <a:uFillTx/>
-                        <a:latin typeface="Verdana"/>
-                        <a:ea typeface="+mn-ea"/>
-                        <a:cs typeface="+mn-cs"/>
-                      </a:endParaRPr>
-                    </a:p>
-                  </a:txBody>
-                  <a:tcPr/>
-                </a:tc>
-                <a:tc>
-                  <a:txBody>
-                    <a:bodyPr/>
-                    <a:lstStyle/>
-                    <a:p>
-                      <a:endParaRPr kumimoji="0" lang="en-US" sz="1100" b="0" i="0" u="none" strike="noStrike" kern="1200" cap="none" spc="0" normalizeH="0" baseline="0" dirty="0">
-                        <a:ln>
-                          <a:noFill/>
-                        </a:ln>
-                        <a:solidFill>
-                          <a:schemeClr val="tx1"/>
-                        </a:solidFill>
-                        <a:effectLst/>
-                        <a:uLnTx/>
-                        <a:uFillTx/>
-                        <a:latin typeface="Arial" panose="020B0604020202020204" pitchFamily="34" charset="0"/>
-                        <a:ea typeface="+mn-ea"/>
-                        <a:cs typeface="Arial" panose="020B0604020202020204" pitchFamily="34" charset="0"/>
-                      </a:endParaRPr>
-                    </a:p>
-                  </a:txBody>
-                  <a:tcPr/>
-                </a:tc>
-                <a:extLst>
-                  <a:ext uri="{0D108BD9-81ED-4DB2-BD59-A6C34878D82A}">
-                    <a16:rowId xmlns:a16="http://schemas.microsoft.com/office/drawing/2014/main" val="3684655486"/>
-                  </a:ext>
-                </a:extLst>
-              </a:tr>
             </a:tbl>
           </a:graphicData>
         </a:graphic>
@@ -17606,8 +17401,8 @@
         </p:nvSpPr>
         <p:spPr>
           <a:xfrm>
-            <a:off x="335055" y="2823109"/>
-            <a:ext cx="3978346" cy="3744378"/>
+            <a:off x="383258" y="2663720"/>
+            <a:ext cx="3579142" cy="4057879"/>
           </a:xfrm>
         </p:spPr>
         <p:txBody>
@@ -17650,20 +17445,7 @@
                 <a:latin typeface="Arial" panose="020B0604020202020204" pitchFamily="34" charset="0"/>
                 <a:cs typeface="Arial" panose="020B0604020202020204" pitchFamily="34" charset="0"/>
               </a:rPr>
-              <a:t>Core java, java8 features(stream API , Lambda Expressions, java date time API, Optional class)</a:t>
-            </a:r>
-          </a:p>
-          <a:p>
-            <a:pPr marL="171450" indent="-171450">
-              <a:buFont typeface="Arial" panose="020B0604020202020204" pitchFamily="34" charset="0"/>
-              <a:buChar char="•"/>
-            </a:pPr>
-            <a:r>
-              <a:rPr lang="en-US" sz="1100" dirty="0">
-                <a:latin typeface="Arial" panose="020B0604020202020204" pitchFamily="34" charset="0"/>
-                <a:cs typeface="Arial" panose="020B0604020202020204" pitchFamily="34" charset="0"/>
-              </a:rPr>
-              <a:t>J2EE</a:t>
+              <a:t>Core java, java8 features(stream API , Lambda Expressions, java date time API, Optional class) </a:t>
             </a:r>
           </a:p>
           <a:p>
@@ -17719,6 +17501,19 @@
             </a:r>
           </a:p>
           <a:p>
+            <a:r>
+              <a:rPr lang="en-IN" sz="1200" dirty="0">
+                <a:latin typeface="Arial" panose="020B0604020202020204" pitchFamily="34" charset="0"/>
+                <a:cs typeface="Arial" panose="020B0604020202020204" pitchFamily="34" charset="0"/>
+              </a:rPr>
+              <a:t>• Hands on experience in creating microservices with Spring boot, Spring Security with JWT, Spring Cloud API Gateway, Eureka server, Hystrix.</a:t>
+            </a:r>
+            <a:endParaRPr lang="en-US" sz="1200" dirty="0">
+              <a:latin typeface="Arial" panose="020B0604020202020204" pitchFamily="34" charset="0"/>
+              <a:cs typeface="Arial" panose="020B0604020202020204" pitchFamily="34" charset="0"/>
+            </a:endParaRPr>
+          </a:p>
+          <a:p>
             <a:pPr marL="171450" indent="-171450">
               <a:buFont typeface="Arial" panose="020B0604020202020204" pitchFamily="34" charset="0"/>
               <a:buChar char="•"/>
@@ -17732,6 +17527,40 @@
             </a:r>
           </a:p>
           <a:p>
+            <a:pPr marL="171450" indent="-171450">
+              <a:buFont typeface="Arial" panose="020B0604020202020204" pitchFamily="34" charset="0"/>
+              <a:buChar char="•"/>
+            </a:pPr>
+            <a:r>
+              <a:rPr lang="en-US" sz="1100" dirty="0">
+                <a:latin typeface="Arial" panose="020B0604020202020204" pitchFamily="34" charset="0"/>
+                <a:cs typeface="Arial" panose="020B0604020202020204" pitchFamily="34" charset="0"/>
+              </a:rPr>
+              <a:t>Completed AWS CP </a:t>
+            </a:r>
+          </a:p>
+          <a:p>
+            <a:pPr marL="171450" indent="-171450">
+              <a:buFont typeface="Arial" panose="020B0604020202020204" pitchFamily="34" charset="0"/>
+              <a:buChar char="•"/>
+            </a:pPr>
+            <a:r>
+              <a:rPr lang="en-IN" sz="1200" dirty="0">
+                <a:latin typeface="Arial" panose="020B0604020202020204" pitchFamily="34" charset="0"/>
+                <a:cs typeface="Arial" panose="020B0604020202020204" pitchFamily="34" charset="0"/>
+              </a:rPr>
+              <a:t>Completed JEE Full Stack 2.0 with Angular (duration:3 months) from Capgemini India</a:t>
+            </a:r>
+            <a:endParaRPr lang="en-US" sz="1200" dirty="0">
+              <a:latin typeface="Arial" panose="020B0604020202020204" pitchFamily="34" charset="0"/>
+              <a:cs typeface="Arial" panose="020B0604020202020204" pitchFamily="34" charset="0"/>
+            </a:endParaRPr>
+          </a:p>
+          <a:p>
+            <a:pPr marL="171450" indent="-171450">
+              <a:buFont typeface="Arial" panose="020B0604020202020204" pitchFamily="34" charset="0"/>
+              <a:buChar char="•"/>
+            </a:pPr>
             <a:endParaRPr lang="en-US" sz="1100" dirty="0">
               <a:ea typeface="Verdana"/>
             </a:endParaRPr>
@@ -18041,8 +17870,8 @@
         </p:nvSpPr>
         <p:spPr>
           <a:xfrm>
-            <a:off x="9256077" y="561475"/>
-            <a:ext cx="2540634" cy="425950"/>
+            <a:off x="9256076" y="561475"/>
+            <a:ext cx="2552665" cy="425950"/>
           </a:xfrm>
           <a:prstGeom prst="rect">
             <a:avLst/>
@@ -18124,7 +17953,7 @@
         </p:nvSpPr>
         <p:spPr>
           <a:xfrm>
-            <a:off x="9241790" y="939800"/>
+            <a:off x="9254489" y="864870"/>
             <a:ext cx="937895" cy="245110"/>
           </a:xfrm>
           <a:prstGeom prst="rect">
@@ -18203,8 +18032,8 @@
         </p:nvSpPr>
         <p:spPr>
           <a:xfrm>
-            <a:off x="4582406" y="2667000"/>
-            <a:ext cx="3978346" cy="3533190"/>
+            <a:off x="4570177" y="2505560"/>
+            <a:ext cx="3978346" cy="3744378"/>
           </a:xfrm>
           <a:prstGeom prst="rect">
             <a:avLst/>
@@ -18454,10 +18283,33 @@
             </a:r>
           </a:p>
           <a:p>
+            <a:r>
+              <a:rPr lang="en-US" sz="1200" dirty="0">
+                <a:latin typeface="Arial" panose="020B0604020202020204" pitchFamily="34" charset="0"/>
+                <a:cs typeface="Arial" panose="020B0604020202020204" pitchFamily="34" charset="0"/>
+              </a:rPr>
+              <a:t>    </a:t>
+            </a:r>
+            <a:r>
+              <a:rPr lang="en-US" sz="1200" b="1" dirty="0">
+                <a:latin typeface="Arial" panose="020B0604020202020204" pitchFamily="34" charset="0"/>
+                <a:cs typeface="Arial" panose="020B0604020202020204" pitchFamily="34" charset="0"/>
+              </a:rPr>
+              <a:t>Online Railway Reservation</a:t>
+            </a:r>
+          </a:p>
+          <a:p>
             <a:pPr marL="171450" indent="-171450">
               <a:buFont typeface="Arial" panose="020B0604020202020204" pitchFamily="34" charset="0"/>
               <a:buChar char="•"/>
             </a:pPr>
+            <a:r>
+              <a:rPr lang="en-IN" sz="1200" dirty="0">
+                <a:latin typeface="Arial" panose="020B0604020202020204" pitchFamily="34" charset="0"/>
+                <a:cs typeface="Arial" panose="020B0604020202020204" pitchFamily="34" charset="0"/>
+              </a:rPr>
+              <a:t>Completed end to end case study of Online Railway Reservation with microservice architecture java and Spring Boot as (middleware), JWT authentication, Swagger and payment testing using Paytm ,eureka server, MongoDB as database (backend)and Angular for frontend (UI).</a:t>
+            </a:r>
             <a:endParaRPr lang="en-US" sz="1200" dirty="0">
               <a:latin typeface="Arial" panose="020B0604020202020204" pitchFamily="34" charset="0"/>
               <a:cs typeface="Arial" panose="020B0604020202020204" pitchFamily="34" charset="0"/>
@@ -18477,10 +18329,6 @@
             </a:endParaRPr>
           </a:p>
           <a:p>
-            <a:pPr marL="171450" indent="-171450">
-              <a:buFont typeface="Arial" panose="020B0604020202020204" pitchFamily="34" charset="0"/>
-              <a:buChar char="•"/>
-            </a:pPr>
             <a:endParaRPr lang="en-US" sz="1100" b="1" dirty="0"/>
           </a:p>
           <a:p>
@@ -19659,6 +19507,21 @@
 </file>
 
 <file path=customXml/item1.xml><?xml version="1.0" encoding="utf-8"?>
+<p:properties xmlns:p="http://schemas.microsoft.com/office/2006/metadata/properties" xmlns:xsi="http://www.w3.org/2001/XMLSchema-instance" xmlns:pc="http://schemas.microsoft.com/office/infopath/2007/PartnerControls">
+  <documentManagement/>
+</p:properties>
+</file>
+
+<file path=customXml/item2.xml><?xml version="1.0" encoding="utf-8"?>
+<?mso-contentType ?>
+<FormTemplates xmlns="http://schemas.microsoft.com/sharepoint/v3/contenttype/forms">
+  <Display>DocumentLibraryForm</Display>
+  <Edit>DocumentLibraryForm</Edit>
+  <New>DocumentLibraryForm</New>
+</FormTemplates>
+</file>
+
+<file path=customXml/item3.xml><?xml version="1.0" encoding="utf-8"?>
 <ct:contentTypeSchema xmlns:ct="http://schemas.microsoft.com/office/2006/metadata/contentType" xmlns:ma="http://schemas.microsoft.com/office/2006/metadata/properties/metaAttributes" ct:_="" ma:_="" ma:contentTypeName="Document" ma:contentTypeID="0x010100F75A248773DC9D48BF09FA863687EDD5" ma:contentTypeVersion="2" ma:contentTypeDescription="Create a new document." ma:contentTypeScope="" ma:versionID="42c1056a85c3fb3ade343eee025f50f6">
   <xsd:schema xmlns:xsd="http://www.w3.org/2001/XMLSchema" xmlns:xs="http://www.w3.org/2001/XMLSchema" xmlns:p="http://schemas.microsoft.com/office/2006/metadata/properties" xmlns:ns2="23e0b11b-d854-4e13-b2dc-268ff2d1feba" targetNamespace="http://schemas.microsoft.com/office/2006/metadata/properties" ma:root="true" ma:fieldsID="b7c70e4f06a8a228146d59eef8ff01f1" ns2:_="">
     <xsd:import namespace="23e0b11b-d854-4e13-b2dc-268ff2d1feba"/>
@@ -19790,22 +19653,31 @@
 </ct:contentTypeSchema>
 </file>
 
-<file path=customXml/item2.xml><?xml version="1.0" encoding="utf-8"?>
-<?mso-contentType ?>
-<FormTemplates xmlns="http://schemas.microsoft.com/sharepoint/v3/contenttype/forms">
-  <Display>DocumentLibraryForm</Display>
-  <Edit>DocumentLibraryForm</Edit>
-  <New>DocumentLibraryForm</New>
-</FormTemplates>
+<file path=customXml/itemProps1.xml><?xml version="1.0" encoding="utf-8"?>
+<ds:datastoreItem xmlns:ds="http://schemas.openxmlformats.org/officeDocument/2006/customXml" ds:itemID="{676D49A1-E7CF-4748-AD93-60B1CF8251D9}">
+  <ds:schemaRefs>
+    <ds:schemaRef ds:uri="http://schemas.microsoft.com/office/infopath/2007/PartnerControls"/>
+    <ds:schemaRef ds:uri="http://purl.org/dc/elements/1.1/"/>
+    <ds:schemaRef ds:uri="http://schemas.microsoft.com/office/2006/metadata/properties"/>
+    <ds:schemaRef ds:uri="http://schemas.microsoft.com/office/2006/documentManagement/types"/>
+    <ds:schemaRef ds:uri="http://schemas.openxmlformats.org/package/2006/metadata/core-properties"/>
+    <ds:schemaRef ds:uri="23e0b11b-d854-4e13-b2dc-268ff2d1feba"/>
+    <ds:schemaRef ds:uri="http://purl.org/dc/dcmitype/"/>
+    <ds:schemaRef ds:uri="http://www.w3.org/XML/1998/namespace"/>
+    <ds:schemaRef ds:uri="http://purl.org/dc/terms/"/>
+  </ds:schemaRefs>
+</ds:datastoreItem>
 </file>
 
-<file path=customXml/item3.xml><?xml version="1.0" encoding="utf-8"?>
-<p:properties xmlns:p="http://schemas.microsoft.com/office/2006/metadata/properties" xmlns:xsi="http://www.w3.org/2001/XMLSchema-instance" xmlns:pc="http://schemas.microsoft.com/office/infopath/2007/PartnerControls">
-  <documentManagement/>
-</p:properties>
+<file path=customXml/itemProps2.xml><?xml version="1.0" encoding="utf-8"?>
+<ds:datastoreItem xmlns:ds="http://schemas.openxmlformats.org/officeDocument/2006/customXml" ds:itemID="{538D68B9-DE10-4321-909E-B00E3A00F980}">
+  <ds:schemaRefs>
+    <ds:schemaRef ds:uri="http://schemas.microsoft.com/sharepoint/v3/contenttype/forms"/>
+  </ds:schemaRefs>
+</ds:datastoreItem>
 </file>
 
-<file path=customXml/itemProps1.xml><?xml version="1.0" encoding="utf-8"?>
+<file path=customXml/itemProps3.xml><?xml version="1.0" encoding="utf-8"?>
 <ds:datastoreItem xmlns:ds="http://schemas.openxmlformats.org/officeDocument/2006/customXml" ds:itemID="{B6772639-A277-4F03-A750-02A6CF271C0B}">
   <ds:schemaRefs>
     <ds:schemaRef ds:uri="http://schemas.microsoft.com/office/2006/metadata/contentType"/>
@@ -19821,28 +19693,4 @@
     <ds:schemaRef ds:uri="http://schemas.microsoft.com/internal/obd"/>
   </ds:schemaRefs>
 </ds:datastoreItem>
-</file>
-
-<file path=customXml/itemProps2.xml><?xml version="1.0" encoding="utf-8"?>
-<ds:datastoreItem xmlns:ds="http://schemas.openxmlformats.org/officeDocument/2006/customXml" ds:itemID="{538D68B9-DE10-4321-909E-B00E3A00F980}">
-  <ds:schemaRefs>
-    <ds:schemaRef ds:uri="http://schemas.microsoft.com/sharepoint/v3/contenttype/forms"/>
-  </ds:schemaRefs>
-</ds:datastoreItem>
-</file>
-
-<file path=customXml/itemProps3.xml><?xml version="1.0" encoding="utf-8"?>
-<ds:datastoreItem xmlns:ds="http://schemas.openxmlformats.org/officeDocument/2006/customXml" ds:itemID="{676D49A1-E7CF-4748-AD93-60B1CF8251D9}">
-  <ds:schemaRefs>
-    <ds:schemaRef ds:uri="http://schemas.microsoft.com/office/infopath/2007/PartnerControls"/>
-    <ds:schemaRef ds:uri="http://purl.org/dc/elements/1.1/"/>
-    <ds:schemaRef ds:uri="http://schemas.microsoft.com/office/2006/metadata/properties"/>
-    <ds:schemaRef ds:uri="http://schemas.microsoft.com/office/2006/documentManagement/types"/>
-    <ds:schemaRef ds:uri="http://schemas.openxmlformats.org/package/2006/metadata/core-properties"/>
-    <ds:schemaRef ds:uri="23e0b11b-d854-4e13-b2dc-268ff2d1feba"/>
-    <ds:schemaRef ds:uri="http://purl.org/dc/dcmitype/"/>
-    <ds:schemaRef ds:uri="http://www.w3.org/XML/1998/namespace"/>
-    <ds:schemaRef ds:uri="http://purl.org/dc/terms/"/>
-  </ds:schemaRefs>
-</ds:datastoreItem>
 </file>